--- a/src/ppt7_ar.pptx
+++ b/src/ppt7_ar.pptx
@@ -122,7 +122,7 @@
   </p:defaultTextStyle>
   <p:extLst>
     <p:ext uri="{EFAFB233-063F-42B5-8137-9DF3F51BA10A}">
-      <p15:sldGuideLst xmlns:p15="http://schemas.microsoft.com/office/powerpoint/2012/main">
+      <p15:sldGuideLst xmlns:p15="http://schemas.microsoft.com/office/powerpoint/2012/main" xmlns="">
         <p15:guide id="1" orient="horz" pos="2160">
           <p15:clr>
             <a:srgbClr val="A4A3A4"/>
@@ -222,7 +222,7 @@
             <a:fld id="{288C3450-B1F7-4D70-BBD4-DE10EE2FA08A}" type="datetimeFigureOut">
               <a:rPr lang="he-IL" smtClean="0"/>
               <a:pPr/>
-              <a:t>א'/טבת/תשע"ח</a:t>
+              <a:t>י"א/אדר/תשע"ח</a:t>
             </a:fld>
             <a:endParaRPr lang="he-IL"/>
           </a:p>
@@ -1849,7 +1849,7 @@
             <a:fld id="{48A87A34-81AB-432B-8DAE-1953F412C126}" type="datetimeFigureOut">
               <a:rPr lang="en-US" smtClean="0"/>
               <a:pPr/>
-              <a:t>12/19/2017</a:t>
+              <a:t>2/26/2018</a:t>
             </a:fld>
             <a:endParaRPr lang="en-US" dirty="0"/>
           </a:p>
@@ -1901,7 +1901,7 @@
     </p:spTree>
     <p:extLst>
       <p:ext uri="{BB962C8B-B14F-4D97-AF65-F5344CB8AC3E}">
-        <p14:creationId xmlns:p14="http://schemas.microsoft.com/office/powerpoint/2010/main" val="2379700270"/>
+        <p14:creationId xmlns:p14="http://schemas.microsoft.com/office/powerpoint/2010/main" xmlns="" val="2379700270"/>
       </p:ext>
     </p:extLst>
   </p:cSld>
@@ -2102,7 +2102,7 @@
             <a:fld id="{48A87A34-81AB-432B-8DAE-1953F412C126}" type="datetimeFigureOut">
               <a:rPr lang="en-US" smtClean="0"/>
               <a:pPr/>
-              <a:t>12/19/2017</a:t>
+              <a:t>2/26/2018</a:t>
             </a:fld>
             <a:endParaRPr lang="en-US" dirty="0"/>
           </a:p>
@@ -2154,7 +2154,7 @@
     </p:spTree>
     <p:extLst>
       <p:ext uri="{BB962C8B-B14F-4D97-AF65-F5344CB8AC3E}">
-        <p14:creationId xmlns:p14="http://schemas.microsoft.com/office/powerpoint/2010/main" val="1804991245"/>
+        <p14:creationId xmlns:p14="http://schemas.microsoft.com/office/powerpoint/2010/main" xmlns="" val="1804991245"/>
       </p:ext>
     </p:extLst>
   </p:cSld>
@@ -2418,7 +2418,7 @@
             <a:fld id="{48A87A34-81AB-432B-8DAE-1953F412C126}" type="datetimeFigureOut">
               <a:rPr lang="en-US" smtClean="0"/>
               <a:pPr/>
-              <a:t>12/19/2017</a:t>
+              <a:t>2/26/2018</a:t>
             </a:fld>
             <a:endParaRPr lang="en-US" dirty="0"/>
           </a:p>
@@ -2560,7 +2560,7 @@
     </p:spTree>
     <p:extLst>
       <p:ext uri="{BB962C8B-B14F-4D97-AF65-F5344CB8AC3E}">
-        <p14:creationId xmlns:p14="http://schemas.microsoft.com/office/powerpoint/2010/main" val="1473712570"/>
+        <p14:creationId xmlns:p14="http://schemas.microsoft.com/office/powerpoint/2010/main" xmlns="" val="1473712570"/>
       </p:ext>
     </p:extLst>
   </p:cSld>
@@ -2761,7 +2761,7 @@
             <a:fld id="{48A87A34-81AB-432B-8DAE-1953F412C126}" type="datetimeFigureOut">
               <a:rPr lang="en-US" smtClean="0"/>
               <a:pPr/>
-              <a:t>12/19/2017</a:t>
+              <a:t>2/26/2018</a:t>
             </a:fld>
             <a:endParaRPr lang="en-US" dirty="0"/>
           </a:p>
@@ -2813,7 +2813,7 @@
     </p:spTree>
     <p:extLst>
       <p:ext uri="{BB962C8B-B14F-4D97-AF65-F5344CB8AC3E}">
-        <p14:creationId xmlns:p14="http://schemas.microsoft.com/office/powerpoint/2010/main" val="2530574234"/>
+        <p14:creationId xmlns:p14="http://schemas.microsoft.com/office/powerpoint/2010/main" xmlns="" val="2530574234"/>
       </p:ext>
     </p:extLst>
   </p:cSld>
@@ -3077,7 +3077,7 @@
             <a:fld id="{48A87A34-81AB-432B-8DAE-1953F412C126}" type="datetimeFigureOut">
               <a:rPr lang="en-US" smtClean="0"/>
               <a:pPr/>
-              <a:t>12/19/2017</a:t>
+              <a:t>2/26/2018</a:t>
             </a:fld>
             <a:endParaRPr lang="en-US" dirty="0"/>
           </a:p>
@@ -3211,7 +3211,7 @@
     </p:spTree>
     <p:extLst>
       <p:ext uri="{BB962C8B-B14F-4D97-AF65-F5344CB8AC3E}">
-        <p14:creationId xmlns:p14="http://schemas.microsoft.com/office/powerpoint/2010/main" val="1004790222"/>
+        <p14:creationId xmlns:p14="http://schemas.microsoft.com/office/powerpoint/2010/main" xmlns="" val="1004790222"/>
       </p:ext>
     </p:extLst>
   </p:cSld>
@@ -3472,7 +3472,7 @@
             <a:fld id="{48A87A34-81AB-432B-8DAE-1953F412C126}" type="datetimeFigureOut">
               <a:rPr lang="en-US" smtClean="0"/>
               <a:pPr/>
-              <a:t>12/19/2017</a:t>
+              <a:t>2/26/2018</a:t>
             </a:fld>
             <a:endParaRPr lang="en-US" dirty="0"/>
           </a:p>
@@ -3524,7 +3524,7 @@
     </p:spTree>
     <p:extLst>
       <p:ext uri="{BB962C8B-B14F-4D97-AF65-F5344CB8AC3E}">
-        <p14:creationId xmlns:p14="http://schemas.microsoft.com/office/powerpoint/2010/main" val="3328784466"/>
+        <p14:creationId xmlns:p14="http://schemas.microsoft.com/office/powerpoint/2010/main" xmlns="" val="3328784466"/>
       </p:ext>
     </p:extLst>
   </p:cSld>
@@ -3644,7 +3644,7 @@
             <a:fld id="{48A87A34-81AB-432B-8DAE-1953F412C126}" type="datetimeFigureOut">
               <a:rPr lang="en-US" smtClean="0"/>
               <a:pPr/>
-              <a:t>12/19/2017</a:t>
+              <a:t>2/26/2018</a:t>
             </a:fld>
             <a:endParaRPr lang="en-US" dirty="0"/>
           </a:p>
@@ -3696,7 +3696,7 @@
     </p:spTree>
     <p:extLst>
       <p:ext uri="{BB962C8B-B14F-4D97-AF65-F5344CB8AC3E}">
-        <p14:creationId xmlns:p14="http://schemas.microsoft.com/office/powerpoint/2010/main" val="1447070425"/>
+        <p14:creationId xmlns:p14="http://schemas.microsoft.com/office/powerpoint/2010/main" xmlns="" val="1447070425"/>
       </p:ext>
     </p:extLst>
   </p:cSld>
@@ -3826,7 +3826,7 @@
             <a:fld id="{48A87A34-81AB-432B-8DAE-1953F412C126}" type="datetimeFigureOut">
               <a:rPr lang="en-US" smtClean="0"/>
               <a:pPr/>
-              <a:t>12/19/2017</a:t>
+              <a:t>2/26/2018</a:t>
             </a:fld>
             <a:endParaRPr lang="en-US" dirty="0"/>
           </a:p>
@@ -3878,7 +3878,7 @@
     </p:spTree>
     <p:extLst>
       <p:ext uri="{BB962C8B-B14F-4D97-AF65-F5344CB8AC3E}">
-        <p14:creationId xmlns:p14="http://schemas.microsoft.com/office/powerpoint/2010/main" val="3648480235"/>
+        <p14:creationId xmlns:p14="http://schemas.microsoft.com/office/powerpoint/2010/main" xmlns="" val="3648480235"/>
       </p:ext>
     </p:extLst>
   </p:cSld>
@@ -4004,7 +4004,7 @@
             <a:fld id="{48A87A34-81AB-432B-8DAE-1953F412C126}" type="datetimeFigureOut">
               <a:rPr lang="en-US" smtClean="0"/>
               <a:pPr/>
-              <a:t>12/19/2017</a:t>
+              <a:t>2/26/2018</a:t>
             </a:fld>
             <a:endParaRPr lang="en-US" dirty="0"/>
           </a:p>
@@ -4056,7 +4056,7 @@
     </p:spTree>
     <p:extLst>
       <p:ext uri="{BB962C8B-B14F-4D97-AF65-F5344CB8AC3E}">
-        <p14:creationId xmlns:p14="http://schemas.microsoft.com/office/powerpoint/2010/main" val="2649633687"/>
+        <p14:creationId xmlns:p14="http://schemas.microsoft.com/office/powerpoint/2010/main" xmlns="" val="2649633687"/>
       </p:ext>
     </p:extLst>
   </p:cSld>
@@ -4253,7 +4253,7 @@
             <a:fld id="{48A87A34-81AB-432B-8DAE-1953F412C126}" type="datetimeFigureOut">
               <a:rPr lang="en-US" smtClean="0"/>
               <a:pPr/>
-              <a:t>12/19/2017</a:t>
+              <a:t>2/26/2018</a:t>
             </a:fld>
             <a:endParaRPr lang="en-US" dirty="0"/>
           </a:p>
@@ -4305,7 +4305,7 @@
     </p:spTree>
     <p:extLst>
       <p:ext uri="{BB962C8B-B14F-4D97-AF65-F5344CB8AC3E}">
-        <p14:creationId xmlns:p14="http://schemas.microsoft.com/office/powerpoint/2010/main" val="572893903"/>
+        <p14:creationId xmlns:p14="http://schemas.microsoft.com/office/powerpoint/2010/main" xmlns="" val="572893903"/>
       </p:ext>
     </p:extLst>
   </p:cSld>
@@ -4487,7 +4487,7 @@
             <a:fld id="{48A87A34-81AB-432B-8DAE-1953F412C126}" type="datetimeFigureOut">
               <a:rPr lang="en-US" smtClean="0"/>
               <a:pPr/>
-              <a:t>12/19/2017</a:t>
+              <a:t>2/26/2018</a:t>
             </a:fld>
             <a:endParaRPr lang="en-US" dirty="0"/>
           </a:p>
@@ -4539,7 +4539,7 @@
     </p:spTree>
     <p:extLst>
       <p:ext uri="{BB962C8B-B14F-4D97-AF65-F5344CB8AC3E}">
-        <p14:creationId xmlns:p14="http://schemas.microsoft.com/office/powerpoint/2010/main" val="3918475607"/>
+        <p14:creationId xmlns:p14="http://schemas.microsoft.com/office/powerpoint/2010/main" xmlns="" val="3918475607"/>
       </p:ext>
     </p:extLst>
   </p:cSld>
@@ -4863,7 +4863,7 @@
             <a:fld id="{48A87A34-81AB-432B-8DAE-1953F412C126}" type="datetimeFigureOut">
               <a:rPr lang="en-US" smtClean="0"/>
               <a:pPr/>
-              <a:t>12/19/2017</a:t>
+              <a:t>2/26/2018</a:t>
             </a:fld>
             <a:endParaRPr lang="en-US" dirty="0"/>
           </a:p>
@@ -4915,7 +4915,7 @@
     </p:spTree>
     <p:extLst>
       <p:ext uri="{BB962C8B-B14F-4D97-AF65-F5344CB8AC3E}">
-        <p14:creationId xmlns:p14="http://schemas.microsoft.com/office/powerpoint/2010/main" val="70569158"/>
+        <p14:creationId xmlns:p14="http://schemas.microsoft.com/office/powerpoint/2010/main" xmlns="" val="70569158"/>
       </p:ext>
     </p:extLst>
   </p:cSld>
@@ -4988,7 +4988,7 @@
             <a:fld id="{48A87A34-81AB-432B-8DAE-1953F412C126}" type="datetimeFigureOut">
               <a:rPr lang="en-US" smtClean="0"/>
               <a:pPr/>
-              <a:t>12/19/2017</a:t>
+              <a:t>2/26/2018</a:t>
             </a:fld>
             <a:endParaRPr lang="en-US" dirty="0"/>
           </a:p>
@@ -5040,7 +5040,7 @@
     </p:spTree>
     <p:extLst>
       <p:ext uri="{BB962C8B-B14F-4D97-AF65-F5344CB8AC3E}">
-        <p14:creationId xmlns:p14="http://schemas.microsoft.com/office/powerpoint/2010/main" val="3956773614"/>
+        <p14:creationId xmlns:p14="http://schemas.microsoft.com/office/powerpoint/2010/main" xmlns="" val="3956773614"/>
       </p:ext>
     </p:extLst>
   </p:cSld>
@@ -5085,7 +5085,7 @@
             <a:fld id="{48A87A34-81AB-432B-8DAE-1953F412C126}" type="datetimeFigureOut">
               <a:rPr lang="en-US" smtClean="0"/>
               <a:pPr/>
-              <a:t>12/19/2017</a:t>
+              <a:t>2/26/2018</a:t>
             </a:fld>
             <a:endParaRPr lang="en-US" dirty="0"/>
           </a:p>
@@ -5137,7 +5137,7 @@
     </p:spTree>
     <p:extLst>
       <p:ext uri="{BB962C8B-B14F-4D97-AF65-F5344CB8AC3E}">
-        <p14:creationId xmlns:p14="http://schemas.microsoft.com/office/powerpoint/2010/main" val="843387325"/>
+        <p14:creationId xmlns:p14="http://schemas.microsoft.com/office/powerpoint/2010/main" xmlns="" val="843387325"/>
       </p:ext>
     </p:extLst>
   </p:cSld>
@@ -5342,7 +5342,7 @@
             <a:fld id="{48A87A34-81AB-432B-8DAE-1953F412C126}" type="datetimeFigureOut">
               <a:rPr lang="en-US" smtClean="0"/>
               <a:pPr/>
-              <a:t>12/19/2017</a:t>
+              <a:t>2/26/2018</a:t>
             </a:fld>
             <a:endParaRPr lang="en-US" dirty="0"/>
           </a:p>
@@ -5394,7 +5394,7 @@
     </p:spTree>
     <p:extLst>
       <p:ext uri="{BB962C8B-B14F-4D97-AF65-F5344CB8AC3E}">
-        <p14:creationId xmlns:p14="http://schemas.microsoft.com/office/powerpoint/2010/main" val="614752468"/>
+        <p14:creationId xmlns:p14="http://schemas.microsoft.com/office/powerpoint/2010/main" xmlns="" val="614752468"/>
       </p:ext>
     </p:extLst>
   </p:cSld>
@@ -5607,7 +5607,7 @@
             <a:fld id="{48A87A34-81AB-432B-8DAE-1953F412C126}" type="datetimeFigureOut">
               <a:rPr lang="en-US" smtClean="0"/>
               <a:pPr/>
-              <a:t>12/19/2017</a:t>
+              <a:t>2/26/2018</a:t>
             </a:fld>
             <a:endParaRPr lang="en-US" dirty="0"/>
           </a:p>
@@ -5659,7 +5659,7 @@
     </p:spTree>
     <p:extLst>
       <p:ext uri="{BB962C8B-B14F-4D97-AF65-F5344CB8AC3E}">
-        <p14:creationId xmlns:p14="http://schemas.microsoft.com/office/powerpoint/2010/main" val="2525773852"/>
+        <p14:creationId xmlns:p14="http://schemas.microsoft.com/office/powerpoint/2010/main" xmlns="" val="2525773852"/>
       </p:ext>
     </p:extLst>
   </p:cSld>
@@ -6352,7 +6352,7 @@
             <a:fld id="{48A87A34-81AB-432B-8DAE-1953F412C126}" type="datetimeFigureOut">
               <a:rPr lang="en-US" smtClean="0"/>
               <a:pPr/>
-              <a:t>12/19/2017</a:t>
+              <a:t>2/26/2018</a:t>
             </a:fld>
             <a:endParaRPr lang="en-US" dirty="0"/>
           </a:p>
@@ -6438,7 +6438,7 @@
     </p:spTree>
     <p:extLst>
       <p:ext uri="{BB962C8B-B14F-4D97-AF65-F5344CB8AC3E}">
-        <p14:creationId xmlns:p14="http://schemas.microsoft.com/office/powerpoint/2010/main" val="2849168193"/>
+        <p14:creationId xmlns:p14="http://schemas.microsoft.com/office/powerpoint/2010/main" xmlns="" val="2849168193"/>
       </p:ext>
     </p:extLst>
   </p:cSld>
@@ -6901,26 +6901,26 @@
           <a:p>
             <a:pPr algn="ctr"/>
             <a:r>
-              <a:rPr lang="ar-EG" sz="8800" dirty="0" smtClean="0">
+              <a:rPr lang="ar-EG" sz="7200" dirty="0" smtClean="0">
                 <a:latin typeface="Ara Hamah Alislam" panose="00000500000000000000" pitchFamily="2" charset="-78"/>
                 <a:cs typeface="Ara Hamah Alislam" panose="00000500000000000000" pitchFamily="2" charset="-78"/>
               </a:rPr>
               <a:t>مقدمة للمجسات </a:t>
             </a:r>
             <a:br>
-              <a:rPr lang="ar-EG" sz="8800" dirty="0" smtClean="0">
+              <a:rPr lang="ar-EG" sz="7200" dirty="0" smtClean="0">
                 <a:latin typeface="Ara Hamah Alislam" panose="00000500000000000000" pitchFamily="2" charset="-78"/>
                 <a:cs typeface="Ara Hamah Alislam" panose="00000500000000000000" pitchFamily="2" charset="-78"/>
               </a:rPr>
             </a:br>
             <a:r>
-              <a:rPr lang="ar-EG" sz="8800" dirty="0" smtClean="0">
+              <a:rPr lang="ar-EG" sz="7200" dirty="0" smtClean="0">
                 <a:latin typeface="Ara Hamah Alislam" panose="00000500000000000000" pitchFamily="2" charset="-78"/>
                 <a:cs typeface="Ara Hamah Alislam" panose="00000500000000000000" pitchFamily="2" charset="-78"/>
               </a:rPr>
               <a:t>الهروب من المتاهة !</a:t>
             </a:r>
-            <a:endParaRPr lang="he-IL" sz="8800" dirty="0">
+            <a:endParaRPr lang="he-IL" sz="7200" dirty="0">
               <a:latin typeface="Ara Hamah Alislam" panose="00000500000000000000" pitchFamily="2" charset="-78"/>
             </a:endParaRPr>
           </a:p>
@@ -6929,7 +6929,7 @@
     </p:spTree>
     <p:extLst>
       <p:ext uri="{BB962C8B-B14F-4D97-AF65-F5344CB8AC3E}">
-        <p14:creationId xmlns:p14="http://schemas.microsoft.com/office/powerpoint/2010/main" val="1597654807"/>
+        <p14:creationId xmlns:p14="http://schemas.microsoft.com/office/powerpoint/2010/main" xmlns="" val="1597654807"/>
       </p:ext>
     </p:extLst>
   </p:cSld>
@@ -7037,7 +7037,7 @@
         </p:nvGrpSpPr>
         <p:grpSpPr bwMode="auto">
           <a:xfrm>
-            <a:off x="2068561" y="1517508"/>
+            <a:off x="978670" y="1397435"/>
             <a:ext cx="8017934" cy="798513"/>
             <a:chOff x="806" y="980"/>
             <a:chExt cx="3788" cy="503"/>
@@ -7132,7 +7132,7 @@
         </p:nvGrpSpPr>
         <p:grpSpPr bwMode="auto">
           <a:xfrm>
-            <a:off x="1714498" y="5214938"/>
+            <a:off x="227444" y="5270356"/>
             <a:ext cx="8052091" cy="1160462"/>
             <a:chOff x="3538" y="2850"/>
             <a:chExt cx="1864" cy="731"/>
@@ -7296,7 +7296,7 @@
         <p:spPr/>
         <p:txBody>
           <a:bodyPr>
-            <a:normAutofit/>
+            <a:normAutofit fontScale="90000"/>
           </a:bodyPr>
           <a:lstStyle/>
           <a:p>
@@ -7398,7 +7398,7 @@
     </p:spTree>
     <p:extLst>
       <p:ext uri="{BB962C8B-B14F-4D97-AF65-F5344CB8AC3E}">
-        <p14:creationId xmlns:p14="http://schemas.microsoft.com/office/powerpoint/2010/main" val="2508929371"/>
+        <p14:creationId xmlns:p14="http://schemas.microsoft.com/office/powerpoint/2010/main" xmlns="" val="2508929371"/>
       </p:ext>
     </p:extLst>
   </p:cSld>
@@ -7450,7 +7450,7 @@
         </p:spPr>
         <p:txBody>
           <a:bodyPr>
-            <a:normAutofit/>
+            <a:normAutofit fontScale="90000"/>
           </a:bodyPr>
           <a:lstStyle/>
           <a:p>
@@ -7536,24 +7536,33 @@
                 <a:latin typeface="Ara Hamah Alislam" panose="00000500000000000000" pitchFamily="2" charset="-78"/>
                 <a:cs typeface="Ara Hamah Alislam" panose="00000500000000000000" pitchFamily="2" charset="-78"/>
               </a:rPr>
-              <a:t> تشغيل الملف "برنامج الارتباط" </a:t>
-            </a:r>
-            <a:r>
-              <a:rPr lang="he-IL" sz="3600" dirty="0" smtClean="0">
-                <a:latin typeface="Ara Hamah Alislam" panose="00000500000000000000" pitchFamily="2" charset="-78"/>
+              <a:t> تشغيل الملف "برنامج الارتباط"</a:t>
+            </a:r>
+            <a:r>
+              <a:rPr lang="ar-EG" sz="3600" dirty="0" smtClean="0">
+                <a:latin typeface="Arial" pitchFamily="34" charset="0"/>
+                <a:cs typeface="Arial" pitchFamily="34" charset="0"/>
               </a:rPr>
               <a:t> </a:t>
             </a:r>
             <a:r>
+              <a:rPr lang="he-IL" sz="3600" dirty="0" smtClean="0">
+                <a:latin typeface="Arial" pitchFamily="34" charset="0"/>
+                <a:cs typeface="Arial" pitchFamily="34" charset="0"/>
+              </a:rPr>
+              <a:t> </a:t>
+            </a:r>
+            <a:r>
               <a:rPr lang="en-US" sz="3600" dirty="0" smtClean="0">
-                <a:latin typeface="Ara Hamah Alislam" panose="00000500000000000000" pitchFamily="2" charset="-78"/>
-                <a:cs typeface="Ara Hamah Alislam" panose="00000500000000000000" pitchFamily="2" charset="-78"/>
+                <a:latin typeface="Arial" pitchFamily="34" charset="0"/>
+                <a:cs typeface="Arial" pitchFamily="34" charset="0"/>
               </a:rPr>
               <a:t>FTSCRACHTXT</a:t>
             </a:r>
             <a:r>
               <a:rPr lang="he-IL" sz="3600" dirty="0" smtClean="0">
-                <a:latin typeface="Ara Hamah Alislam" panose="00000500000000000000" pitchFamily="2" charset="-78"/>
+                <a:latin typeface="Arial" pitchFamily="34" charset="0"/>
+                <a:cs typeface="Arial" pitchFamily="34" charset="0"/>
               </a:rPr>
               <a:t> </a:t>
             </a:r>
@@ -7614,8 +7623,8 @@
             </a:r>
             <a:r>
               <a:rPr lang="en-US" sz="3600" dirty="0" smtClean="0">
-                <a:latin typeface="Ara Hamah Alislam" panose="00000500000000000000" pitchFamily="2" charset="-78"/>
-                <a:cs typeface="Ara Hamah Alislam" panose="00000500000000000000" pitchFamily="2" charset="-78"/>
+                <a:latin typeface="Arial" pitchFamily="34" charset="0"/>
+                <a:cs typeface="Arial" pitchFamily="34" charset="0"/>
               </a:rPr>
               <a:t>ScratchX</a:t>
             </a:r>
@@ -7699,7 +7708,7 @@
         </p:blipFill>
         <p:spPr bwMode="auto">
           <a:xfrm>
-            <a:off x="3376973" y="4495279"/>
+            <a:off x="3025991" y="4486043"/>
             <a:ext cx="1791878" cy="1866333"/>
           </a:xfrm>
           <a:prstGeom prst="rect">
@@ -7749,7 +7758,7 @@
     </p:spTree>
     <p:extLst>
       <p:ext uri="{BB962C8B-B14F-4D97-AF65-F5344CB8AC3E}">
-        <p14:creationId xmlns:p14="http://schemas.microsoft.com/office/powerpoint/2010/main" val="1094633716"/>
+        <p14:creationId xmlns:p14="http://schemas.microsoft.com/office/powerpoint/2010/main" xmlns="" val="1094633716"/>
       </p:ext>
     </p:extLst>
   </p:cSld>
@@ -7801,7 +7810,7 @@
         </p:spPr>
         <p:txBody>
           <a:bodyPr>
-            <a:normAutofit/>
+            <a:normAutofit fontScale="90000"/>
           </a:bodyPr>
           <a:lstStyle/>
           <a:p>
@@ -7831,8 +7840,8 @@
         </p:nvSpPr>
         <p:spPr>
           <a:xfrm>
-            <a:off x="283335" y="1106424"/>
-            <a:ext cx="9865217" cy="5847063"/>
+            <a:off x="283336" y="1106424"/>
+            <a:ext cx="9137756" cy="5847063"/>
           </a:xfrm>
         </p:spPr>
         <p:txBody>
@@ -7842,112 +7851,109 @@
           <a:lstStyle/>
           <a:p>
             <a:r>
-              <a:rPr lang="ar-EG" sz="3400" dirty="0" smtClean="0">
+              <a:rPr lang="ar-EG" sz="3000" dirty="0" smtClean="0">
                 <a:latin typeface="Ara Hamah Alislam" panose="00000500000000000000" pitchFamily="2" charset="-78"/>
                 <a:cs typeface="Ara Hamah Alislam" panose="00000500000000000000" pitchFamily="2" charset="-78"/>
               </a:rPr>
               <a:t>برمجوا خوارزمية للخروج من المتاهة</a:t>
             </a:r>
-            <a:endParaRPr lang="he-IL" sz="3400" dirty="0" smtClean="0">
+            <a:endParaRPr lang="he-IL" sz="3000" dirty="0" smtClean="0">
               <a:latin typeface="Ara Hamah Alislam" panose="00000500000000000000" pitchFamily="2" charset="-78"/>
             </a:endParaRPr>
           </a:p>
           <a:p>
             <a:pPr lvl="1"/>
             <a:r>
-              <a:rPr lang="he-IL" sz="3400" dirty="0" smtClean="0">
+              <a:rPr lang="he-IL" sz="3000" dirty="0" smtClean="0">
                 <a:latin typeface="Ara Hamah Alislam" panose="00000500000000000000" pitchFamily="2" charset="-78"/>
               </a:rPr>
               <a:t> </a:t>
             </a:r>
             <a:r>
-              <a:rPr lang="ar-EG" sz="3400" dirty="0" smtClean="0">
+              <a:rPr lang="ar-EG" sz="3000" dirty="0" smtClean="0">
                 <a:latin typeface="Ara Hamah Alislam" panose="00000500000000000000" pitchFamily="2" charset="-78"/>
                 <a:cs typeface="Ara Hamah Alislam" panose="00000500000000000000" pitchFamily="2" charset="-78"/>
               </a:rPr>
               <a:t>يجب تنفيذ تحرك وتوجهات لوقت محدد من اجل التحديد مسبقا كيفية خروج الروبوت من المتاهة  </a:t>
             </a:r>
-            <a:endParaRPr lang="he-IL" sz="3400" dirty="0" smtClean="0">
+            <a:endParaRPr lang="he-IL" sz="3000" dirty="0" smtClean="0">
               <a:latin typeface="Ara Hamah Alislam" panose="00000500000000000000" pitchFamily="2" charset="-78"/>
             </a:endParaRPr>
           </a:p>
           <a:p>
             <a:r>
-              <a:rPr lang="he-IL" sz="3400" dirty="0" smtClean="0">
+              <a:rPr lang="he-IL" sz="3000" dirty="0" smtClean="0">
                 <a:latin typeface="Ara Hamah Alislam" panose="00000500000000000000" pitchFamily="2" charset="-78"/>
               </a:rPr>
               <a:t> </a:t>
             </a:r>
             <a:r>
-              <a:rPr lang="ar-EG" sz="3400" dirty="0" smtClean="0">
+              <a:rPr lang="ar-EG" sz="3000" dirty="0" smtClean="0">
                 <a:latin typeface="Ara Hamah Alislam" panose="00000500000000000000" pitchFamily="2" charset="-78"/>
                 <a:cs typeface="Ara Hamah Alislam" panose="00000500000000000000" pitchFamily="2" charset="-78"/>
               </a:rPr>
               <a:t>اكتبوا سيناريو تحرك الروبوت </a:t>
             </a:r>
-            <a:endParaRPr lang="he-IL" sz="3400" dirty="0" smtClean="0">
+            <a:endParaRPr lang="he-IL" sz="3000" dirty="0" smtClean="0">
               <a:latin typeface="Ara Hamah Alislam" panose="00000500000000000000" pitchFamily="2" charset="-78"/>
             </a:endParaRPr>
           </a:p>
           <a:p>
             <a:r>
-              <a:rPr lang="he-IL" sz="3400" dirty="0">
+              <a:rPr lang="he-IL" sz="3000" dirty="0">
                 <a:latin typeface="Ara Hamah Alislam" panose="00000500000000000000" pitchFamily="2" charset="-78"/>
               </a:rPr>
               <a:t> </a:t>
             </a:r>
             <a:r>
-              <a:rPr lang="ar-EG" sz="3400" dirty="0" smtClean="0">
+              <a:rPr lang="ar-EG" sz="3000" dirty="0" smtClean="0">
                 <a:latin typeface="Ara Hamah Alislam" panose="00000500000000000000" pitchFamily="2" charset="-78"/>
                 <a:cs typeface="Ara Hamah Alislam" panose="00000500000000000000" pitchFamily="2" charset="-78"/>
               </a:rPr>
               <a:t>نفذوا السيناريو </a:t>
             </a:r>
-            <a:endParaRPr lang="he-IL" sz="3400" dirty="0" smtClean="0">
+            <a:endParaRPr lang="he-IL" sz="3000" dirty="0" smtClean="0">
               <a:latin typeface="Ara Hamah Alislam" panose="00000500000000000000" pitchFamily="2" charset="-78"/>
             </a:endParaRPr>
           </a:p>
           <a:p>
             <a:pPr lvl="1"/>
             <a:r>
-              <a:rPr lang="ar-EG" sz="3400" dirty="0" smtClean="0">
+              <a:rPr lang="ar-EG" sz="3000" dirty="0" smtClean="0">
                 <a:latin typeface="Ara Hamah Alislam" panose="00000500000000000000" pitchFamily="2" charset="-78"/>
                 <a:cs typeface="Ara Hamah Alislam" panose="00000500000000000000" pitchFamily="2" charset="-78"/>
               </a:rPr>
               <a:t> التجربة والخطأ : صححوا الخوارزمية , حَتلِنوا السناريو وجربوا من جديد </a:t>
             </a:r>
-            <a:endParaRPr lang="he-IL" sz="3400" dirty="0" smtClean="0">
+            <a:endParaRPr lang="he-IL" sz="3000" dirty="0" smtClean="0">
               <a:latin typeface="Ara Hamah Alislam" panose="00000500000000000000" pitchFamily="2" charset="-78"/>
             </a:endParaRPr>
           </a:p>
           <a:p>
             <a:r>
-              <a:rPr lang="ar-EG" sz="3400" dirty="0" smtClean="0">
+              <a:rPr lang="ar-EG" sz="3000" dirty="0" smtClean="0">
                 <a:latin typeface="Ara Hamah Alislam" panose="00000500000000000000" pitchFamily="2" charset="-78"/>
                 <a:cs typeface="Ara Hamah Alislam" panose="00000500000000000000" pitchFamily="2" charset="-78"/>
               </a:rPr>
-              <a:t>نقاش : هل نجحتم في التجربة الأولى ؟ ماذا يحصل اذا اردنا الخروج من متاهة أخرى؟ هل بإمكاننا كتابة برنامج واحد للخروج من اية متاهة ؟ اية معطيات يحتاج اليها الروبوت لتحقيق هذا الهدف؟</a:t>
-            </a:r>
-            <a:endParaRPr lang="he-IL" sz="3400" dirty="0" smtClean="0">
+              <a:t>نقاش : هل نجحتم في التجربة الأولى ؟ ماذا يحصل اذا اردنا الخروج من متاهة أخرى؟ هل بإمكاننا كتابة برنامج واحد للخروج من اية متاهة ؟ اية معطيات يحتاج اليها الروبوت لتحقيق هذا الهدف</a:t>
+            </a:r>
+            <a:r>
+              <a:rPr lang="ar-EG" sz="3000" dirty="0" smtClean="0">
+                <a:latin typeface="Ara Hamah Alislam" panose="00000500000000000000" pitchFamily="2" charset="-78"/>
+                <a:cs typeface="Ara Hamah Alislam" panose="00000500000000000000" pitchFamily="2" charset="-78"/>
+              </a:rPr>
+              <a:t>؟</a:t>
+            </a:r>
+            <a:endParaRPr lang="he-IL" sz="3000" dirty="0" smtClean="0">
               <a:latin typeface="Ara Hamah Alislam" panose="00000500000000000000" pitchFamily="2" charset="-78"/>
             </a:endParaRPr>
-          </a:p>
-          <a:p>
-            <a:pPr>
-              <a:buNone/>
-            </a:pPr>
-            <a:endParaRPr lang="he-IL" sz="3000" dirty="0" smtClean="0"/>
-          </a:p>
-          <a:p>
-            <a:pPr lvl="1"/>
-            <a:endParaRPr lang="he-IL" sz="3200" dirty="0" smtClean="0"/>
           </a:p>
         </p:txBody>
       </p:sp>
     </p:spTree>
     <p:extLst>
       <p:ext uri="{BB962C8B-B14F-4D97-AF65-F5344CB8AC3E}">
-        <p14:creationId xmlns:p14="http://schemas.microsoft.com/office/powerpoint/2010/main" val="999608912"/>
+        <p14:creationId xmlns:p14="http://schemas.microsoft.com/office/powerpoint/2010/main" xmlns="" val="999608912"/>
       </p:ext>
     </p:extLst>
   </p:cSld>
@@ -8135,7 +8141,7 @@
     </p:spTree>
     <p:extLst>
       <p:ext uri="{BB962C8B-B14F-4D97-AF65-F5344CB8AC3E}">
-        <p14:creationId xmlns:p14="http://schemas.microsoft.com/office/powerpoint/2010/main" val="603574699"/>
+        <p14:creationId xmlns:p14="http://schemas.microsoft.com/office/powerpoint/2010/main" xmlns="" val="603574699"/>
       </p:ext>
     </p:extLst>
   </p:cSld>
@@ -8223,7 +8229,7 @@
         </p:spPr>
         <p:txBody>
           <a:bodyPr>
-            <a:normAutofit fontScale="85000" lnSpcReduction="10000"/>
+            <a:normAutofit fontScale="85000" lnSpcReduction="20000"/>
           </a:bodyPr>
           <a:lstStyle/>
           <a:p>
@@ -8269,21 +8275,7 @@
                 <a:latin typeface="Ara Hamah Alislam" panose="00000500000000000000" pitchFamily="2" charset="-78"/>
                 <a:cs typeface="Ara Hamah Alislam" panose="00000500000000000000" pitchFamily="2" charset="-78"/>
               </a:rPr>
-              <a:t>تحفيز – لماذا يحتاج </a:t>
-            </a:r>
-            <a:r>
-              <a:rPr lang="ar-EG" sz="4800" dirty="0" smtClean="0">
-                <a:latin typeface="Ara Hamah Alislam" panose="00000500000000000000" pitchFamily="2" charset="-78"/>
-                <a:cs typeface="Ara Hamah Alislam" panose="00000500000000000000" pitchFamily="2" charset="-78"/>
-              </a:rPr>
-              <a:t>الروبوت الى </a:t>
-            </a:r>
-            <a:r>
-              <a:rPr lang="ar-EG" sz="4800" dirty="0" smtClean="0">
-                <a:latin typeface="Ara Hamah Alislam" panose="00000500000000000000" pitchFamily="2" charset="-78"/>
-                <a:cs typeface="Ara Hamah Alislam" panose="00000500000000000000" pitchFamily="2" charset="-78"/>
-              </a:rPr>
-              <a:t>المجسات ؟</a:t>
+              <a:t>تحفيز – لماذا يحتاج الروبوت الى المجسات ؟</a:t>
             </a:r>
             <a:endParaRPr lang="he-IL" sz="4800" dirty="0" smtClean="0">
               <a:latin typeface="Ara Hamah Alislam" panose="00000500000000000000" pitchFamily="2" charset="-78"/>
@@ -8383,7 +8375,7 @@
     </p:spTree>
     <p:extLst>
       <p:ext uri="{BB962C8B-B14F-4D97-AF65-F5344CB8AC3E}">
-        <p14:creationId xmlns:p14="http://schemas.microsoft.com/office/powerpoint/2010/main" val="2508929371"/>
+        <p14:creationId xmlns:p14="http://schemas.microsoft.com/office/powerpoint/2010/main" xmlns="" val="2508929371"/>
       </p:ext>
     </p:extLst>
   </p:cSld>
@@ -8505,7 +8497,7 @@
     </p:spTree>
     <p:extLst>
       <p:ext uri="{BB962C8B-B14F-4D97-AF65-F5344CB8AC3E}">
-        <p14:creationId xmlns:p14="http://schemas.microsoft.com/office/powerpoint/2010/main" val="2508929371"/>
+        <p14:creationId xmlns:p14="http://schemas.microsoft.com/office/powerpoint/2010/main" xmlns="" val="2508929371"/>
       </p:ext>
     </p:extLst>
   </p:cSld>
@@ -8587,13 +8579,13 @@
         </p:nvSpPr>
         <p:spPr>
           <a:xfrm>
-            <a:off x="-172389" y="1517762"/>
-            <a:ext cx="10146574" cy="5321879"/>
+            <a:off x="0" y="1517762"/>
+            <a:ext cx="9670474" cy="5321879"/>
           </a:xfrm>
         </p:spPr>
         <p:txBody>
           <a:bodyPr>
-            <a:normAutofit fontScale="92500"/>
+            <a:noAutofit/>
           </a:bodyPr>
           <a:lstStyle/>
           <a:p>
@@ -8603,13 +8595,13 @@
               </a:spcBef>
             </a:pPr>
             <a:r>
-              <a:rPr lang="ar-EG" sz="4400" dirty="0" smtClean="0">
+              <a:rPr lang="ar-EG" sz="3600" dirty="0" smtClean="0">
                 <a:latin typeface="Ara Hamah Alislam" panose="00000500000000000000" pitchFamily="2" charset="-78"/>
                 <a:cs typeface="Ara Hamah Alislam" panose="00000500000000000000" pitchFamily="2" charset="-78"/>
               </a:rPr>
               <a:t>حتى الان قمنا بتنفيذ فعاليات ثابتة ومعروفة مسبقا</a:t>
             </a:r>
-            <a:endParaRPr lang="he-IL" sz="4400" dirty="0" smtClean="0">
+            <a:endParaRPr lang="he-IL" sz="3600" dirty="0" smtClean="0">
               <a:latin typeface="Ara Hamah Alislam" panose="00000500000000000000" pitchFamily="2" charset="-78"/>
               <a:cs typeface="David" pitchFamily="34" charset="-79"/>
             </a:endParaRPr>
@@ -8621,13 +8613,13 @@
               </a:spcBef>
             </a:pPr>
             <a:r>
-              <a:rPr lang="ar-EG" sz="4400" dirty="0" smtClean="0">
+              <a:rPr lang="ar-EG" sz="3600" dirty="0" smtClean="0">
                 <a:latin typeface="Ara Hamah Alislam" panose="00000500000000000000" pitchFamily="2" charset="-78"/>
                 <a:cs typeface="Ara Hamah Alislam" panose="00000500000000000000" pitchFamily="2" charset="-78"/>
               </a:rPr>
               <a:t>مثلا التحرك لمدة زمنية ثابتة والتوجه حسب برمجة مسبقة </a:t>
             </a:r>
-            <a:endParaRPr lang="he-IL" sz="4400" dirty="0" smtClean="0">
+            <a:endParaRPr lang="he-IL" sz="3600" dirty="0" smtClean="0">
               <a:latin typeface="Ara Hamah Alislam" panose="00000500000000000000" pitchFamily="2" charset="-78"/>
               <a:cs typeface="David" pitchFamily="34" charset="-79"/>
             </a:endParaRPr>
@@ -8639,13 +8631,13 @@
               </a:spcBef>
             </a:pPr>
             <a:r>
-              <a:rPr lang="ar-EG" sz="4400" dirty="0" smtClean="0">
+              <a:rPr lang="ar-EG" sz="3600" dirty="0" smtClean="0">
                 <a:latin typeface="Ara Hamah Alislam" panose="00000500000000000000" pitchFamily="2" charset="-78"/>
                 <a:cs typeface="Ara Hamah Alislam" panose="00000500000000000000" pitchFamily="2" charset="-78"/>
               </a:rPr>
               <a:t>العديد من الأنظمة تعمل بدون مجسات </a:t>
             </a:r>
-            <a:endParaRPr lang="he-IL" sz="4400" dirty="0" smtClean="0">
+            <a:endParaRPr lang="he-IL" sz="3600" dirty="0" smtClean="0">
               <a:latin typeface="Ara Hamah Alislam" panose="00000500000000000000" pitchFamily="2" charset="-78"/>
               <a:cs typeface="David" pitchFamily="34" charset="-79"/>
             </a:endParaRPr>
@@ -8657,20 +8649,20 @@
               </a:spcBef>
             </a:pPr>
             <a:r>
-              <a:rPr lang="he-IL" sz="4400" dirty="0" smtClean="0">
+              <a:rPr lang="he-IL" sz="3600" dirty="0" smtClean="0">
                 <a:latin typeface="Ara Hamah Alislam" panose="00000500000000000000" pitchFamily="2" charset="-78"/>
                 <a:cs typeface="David" pitchFamily="34" charset="-79"/>
               </a:rPr>
               <a:t> </a:t>
             </a:r>
             <a:r>
-              <a:rPr lang="ar-EG" sz="4400" dirty="0" smtClean="0">
+              <a:rPr lang="ar-EG" sz="3600" dirty="0" smtClean="0">
                 <a:latin typeface="Ara Hamah Alislam" panose="00000500000000000000" pitchFamily="2" charset="-78"/>
                 <a:cs typeface="Ara Hamah Alislam" panose="00000500000000000000" pitchFamily="2" charset="-78"/>
               </a:rPr>
               <a:t>مثلا أنظمة الري الاوتوماتيكية, الإشارات الضوئية </a:t>
             </a:r>
-            <a:endParaRPr lang="he-IL" sz="4400" dirty="0" smtClean="0">
+            <a:endParaRPr lang="he-IL" sz="3600" dirty="0" smtClean="0">
               <a:latin typeface="Ara Hamah Alislam" panose="00000500000000000000" pitchFamily="2" charset="-78"/>
               <a:cs typeface="David" pitchFamily="34" charset="-79"/>
             </a:endParaRPr>
@@ -8682,25 +8674,14 @@
               </a:spcBef>
             </a:pPr>
             <a:r>
-              <a:rPr lang="ar-EG" sz="4400" dirty="0" smtClean="0">
+              <a:rPr lang="ar-EG" sz="3600" dirty="0" smtClean="0">
                 <a:latin typeface="Ara Hamah Alislam" panose="00000500000000000000" pitchFamily="2" charset="-78"/>
                 <a:cs typeface="Ara Hamah Alislam" panose="00000500000000000000" pitchFamily="2" charset="-78"/>
               </a:rPr>
               <a:t>علينا تحديد مستوى (قوة) التشغيل والمدة الزمنية لكل مُرَكب, على أمل ألا تكون هنالك عقبات او اعاقات تمنع النظام من العمل كما أردنا.  </a:t>
             </a:r>
-            <a:endParaRPr lang="he-IL" sz="4400" dirty="0" smtClean="0">
+            <a:endParaRPr lang="he-IL" sz="3600" dirty="0" smtClean="0">
               <a:latin typeface="Ara Hamah Alislam" panose="00000500000000000000" pitchFamily="2" charset="-78"/>
-              <a:cs typeface="David" pitchFamily="34" charset="-79"/>
-            </a:endParaRPr>
-          </a:p>
-          <a:p>
-            <a:pPr marL="457200" indent="-457200">
-              <a:spcBef>
-                <a:spcPct val="20000"/>
-              </a:spcBef>
-            </a:pPr>
-            <a:endParaRPr lang="he-IL" sz="4000" dirty="0" smtClean="0">
-              <a:latin typeface="David" pitchFamily="34" charset="-79"/>
               <a:cs typeface="David" pitchFamily="34" charset="-79"/>
             </a:endParaRPr>
           </a:p>
@@ -8756,19 +8737,19 @@
         </p:spPr>
         <p:txBody>
           <a:bodyPr>
-            <a:normAutofit/>
+            <a:noAutofit/>
           </a:bodyPr>
           <a:lstStyle/>
           <a:p>
             <a:pPr algn="r"/>
             <a:r>
-              <a:rPr lang="ar-EG" sz="5400" b="1" dirty="0">
+              <a:rPr lang="ar-EG" sz="4400" b="1" dirty="0">
                 <a:latin typeface="Ara Hamah Alislam" panose="00000500000000000000" pitchFamily="2" charset="-78"/>
                 <a:cs typeface="Ara Hamah Alislam" panose="00000500000000000000" pitchFamily="2" charset="-78"/>
               </a:rPr>
               <a:t>تحفيز – لماذا نحتاج الى المجسات </a:t>
             </a:r>
-            <a:endParaRPr lang="he-IL" sz="5400" b="1" dirty="0"/>
+            <a:endParaRPr lang="he-IL" sz="4400" b="1" dirty="0"/>
           </a:p>
         </p:txBody>
       </p:sp>
@@ -10089,7 +10070,7 @@
         </p:spPr>
         <p:txBody>
           <a:bodyPr>
-            <a:normAutofit/>
+            <a:normAutofit fontScale="90000"/>
           </a:bodyPr>
           <a:lstStyle/>
           <a:p>
@@ -10289,7 +10270,7 @@
         </p:nvGrpSpPr>
         <p:grpSpPr bwMode="auto">
           <a:xfrm>
-            <a:off x="1974596" y="6072243"/>
+            <a:off x="755444" y="6072243"/>
             <a:ext cx="7012518" cy="866776"/>
             <a:chOff x="833" y="3631"/>
             <a:chExt cx="3313" cy="546"/>
@@ -10386,25 +10367,25 @@
         </p:nvSpPr>
         <p:spPr>
           <a:xfrm>
-            <a:off x="2274733" y="73932"/>
-            <a:ext cx="6041405" cy="829484"/>
+            <a:off x="1154545" y="73932"/>
+            <a:ext cx="7161593" cy="829484"/>
           </a:xfrm>
         </p:spPr>
         <p:txBody>
           <a:bodyPr>
-            <a:normAutofit/>
+            <a:noAutofit/>
           </a:bodyPr>
           <a:lstStyle/>
           <a:p>
             <a:pPr algn="r"/>
             <a:r>
-              <a:rPr lang="ar-EG" sz="4800" b="1" dirty="0">
+              <a:rPr lang="ar-EG" sz="4000" b="1" dirty="0">
                 <a:latin typeface="Ara Hamah Alislam" panose="00000500000000000000" pitchFamily="2" charset="-78"/>
                 <a:cs typeface="Ara Hamah Alislam" panose="00000500000000000000" pitchFamily="2" charset="-78"/>
               </a:rPr>
               <a:t>تحفيز – لماذا نحتاج الى المجسات </a:t>
             </a:r>
-            <a:endParaRPr lang="he-IL" sz="4800" b="1" dirty="0"/>
+            <a:endParaRPr lang="he-IL" sz="4000" b="1" dirty="0"/>
           </a:p>
         </p:txBody>
       </p:sp>
@@ -10418,8 +10399,8 @@
         </p:nvSpPr>
         <p:spPr bwMode="auto">
           <a:xfrm>
-            <a:off x="4271838" y="749984"/>
-            <a:ext cx="1729717" cy="738664"/>
+            <a:off x="3334328" y="749984"/>
+            <a:ext cx="2667228" cy="738664"/>
           </a:xfrm>
           <a:prstGeom prst="rect">
             <a:avLst/>
@@ -10662,13 +10643,13 @@
         </p:nvSpPr>
         <p:spPr>
           <a:xfrm>
-            <a:off x="1844687" y="519448"/>
-            <a:ext cx="6410366" cy="1320800"/>
+            <a:off x="868218" y="519448"/>
+            <a:ext cx="7386835" cy="1320800"/>
           </a:xfrm>
         </p:spPr>
         <p:txBody>
           <a:bodyPr>
-            <a:normAutofit/>
+            <a:normAutofit fontScale="90000"/>
           </a:bodyPr>
           <a:lstStyle/>
           <a:p>
@@ -10782,7 +10763,7 @@
         </p:blipFill>
         <p:spPr bwMode="auto">
           <a:xfrm>
-            <a:off x="7412567" y="2416176"/>
+            <a:off x="6174943" y="2416176"/>
             <a:ext cx="4021667" cy="1920875"/>
           </a:xfrm>
           <a:prstGeom prst="rect">
@@ -10814,7 +10795,7 @@
         </p:blipFill>
         <p:spPr bwMode="auto">
           <a:xfrm>
-            <a:off x="1246718" y="2438400"/>
+            <a:off x="9094" y="2438400"/>
             <a:ext cx="5861049" cy="3295650"/>
           </a:xfrm>
           <a:prstGeom prst="rect">
@@ -10839,7 +10820,7 @@
         </p:nvGrpSpPr>
         <p:grpSpPr bwMode="auto">
           <a:xfrm>
-            <a:off x="7488766" y="4478340"/>
+            <a:off x="6251142" y="4478340"/>
             <a:ext cx="3945466" cy="1206501"/>
             <a:chOff x="3538" y="2821"/>
             <a:chExt cx="1864" cy="760"/>
@@ -10934,7 +10915,7 @@
         </p:nvGrpSpPr>
         <p:grpSpPr bwMode="auto">
           <a:xfrm>
-            <a:off x="424487" y="1287031"/>
+            <a:off x="1024827" y="1287031"/>
             <a:ext cx="8407402" cy="928688"/>
             <a:chOff x="1418" y="898"/>
             <a:chExt cx="3972" cy="585"/>
@@ -11033,7 +11014,7 @@
         </p:nvSpPr>
         <p:spPr>
           <a:xfrm>
-            <a:off x="-121092" y="363890"/>
+            <a:off x="479248" y="363890"/>
             <a:ext cx="8596668" cy="1320800"/>
           </a:xfrm>
         </p:spPr>
@@ -11321,7 +11302,7 @@
   <a:extraClrSchemeLst/>
   <a:extLst>
     <a:ext uri="{05A4C25C-085E-4340-85A3-A5531E510DB2}">
-      <thm15:themeFamily xmlns:thm15="http://schemas.microsoft.com/office/thememl/2012/main" name="Facet" id="{C0C680CD-088A-49FC-A102-D699147F32B2}" vid="{CFBC31BA-B70F-4F30-BCAA-4F3011E16C4D}"/>
+      <thm15:themeFamily xmlns:thm15="http://schemas.microsoft.com/office/thememl/2012/main" xmlns="" name="Facet" id="{C0C680CD-088A-49FC-A102-D699147F32B2}" vid="{CFBC31BA-B70F-4F30-BCAA-4F3011E16C4D}"/>
     </a:ext>
   </a:extLst>
 </a:theme>

--- a/src/ppt7_ar.pptx
+++ b/src/ppt7_ar.pptx
@@ -122,7 +122,7 @@
   </p:defaultTextStyle>
   <p:extLst>
     <p:ext uri="{EFAFB233-063F-42B5-8137-9DF3F51BA10A}">
-      <p15:sldGuideLst xmlns:p15="http://schemas.microsoft.com/office/powerpoint/2012/main" xmlns="">
+      <p15:sldGuideLst xmlns="" xmlns:p15="http://schemas.microsoft.com/office/powerpoint/2012/main">
         <p15:guide id="1" orient="horz" pos="2160">
           <p15:clr>
             <a:srgbClr val="A4A3A4"/>
@@ -222,7 +222,7 @@
             <a:fld id="{288C3450-B1F7-4D70-BBD4-DE10EE2FA08A}" type="datetimeFigureOut">
               <a:rPr lang="he-IL" smtClean="0"/>
               <a:pPr/>
-              <a:t>י"א/אדר/תשע"ח</a:t>
+              <a:t>כ"ג/אייר/תשע"ח</a:t>
             </a:fld>
             <a:endParaRPr lang="he-IL"/>
           </a:p>
@@ -1849,7 +1849,7 @@
             <a:fld id="{48A87A34-81AB-432B-8DAE-1953F412C126}" type="datetimeFigureOut">
               <a:rPr lang="en-US" smtClean="0"/>
               <a:pPr/>
-              <a:t>2/26/2018</a:t>
+              <a:t>5/8/2018</a:t>
             </a:fld>
             <a:endParaRPr lang="en-US" dirty="0"/>
           </a:p>
@@ -1901,7 +1901,7 @@
     </p:spTree>
     <p:extLst>
       <p:ext uri="{BB962C8B-B14F-4D97-AF65-F5344CB8AC3E}">
-        <p14:creationId xmlns:p14="http://schemas.microsoft.com/office/powerpoint/2010/main" xmlns="" val="2379700270"/>
+        <p14:creationId xmlns="" xmlns:p14="http://schemas.microsoft.com/office/powerpoint/2010/main" val="2379700270"/>
       </p:ext>
     </p:extLst>
   </p:cSld>
@@ -2102,7 +2102,7 @@
             <a:fld id="{48A87A34-81AB-432B-8DAE-1953F412C126}" type="datetimeFigureOut">
               <a:rPr lang="en-US" smtClean="0"/>
               <a:pPr/>
-              <a:t>2/26/2018</a:t>
+              <a:t>5/8/2018</a:t>
             </a:fld>
             <a:endParaRPr lang="en-US" dirty="0"/>
           </a:p>
@@ -2154,7 +2154,7 @@
     </p:spTree>
     <p:extLst>
       <p:ext uri="{BB962C8B-B14F-4D97-AF65-F5344CB8AC3E}">
-        <p14:creationId xmlns:p14="http://schemas.microsoft.com/office/powerpoint/2010/main" xmlns="" val="1804991245"/>
+        <p14:creationId xmlns="" xmlns:p14="http://schemas.microsoft.com/office/powerpoint/2010/main" val="1804991245"/>
       </p:ext>
     </p:extLst>
   </p:cSld>
@@ -2418,7 +2418,7 @@
             <a:fld id="{48A87A34-81AB-432B-8DAE-1953F412C126}" type="datetimeFigureOut">
               <a:rPr lang="en-US" smtClean="0"/>
               <a:pPr/>
-              <a:t>2/26/2018</a:t>
+              <a:t>5/8/2018</a:t>
             </a:fld>
             <a:endParaRPr lang="en-US" dirty="0"/>
           </a:p>
@@ -2560,7 +2560,7 @@
     </p:spTree>
     <p:extLst>
       <p:ext uri="{BB962C8B-B14F-4D97-AF65-F5344CB8AC3E}">
-        <p14:creationId xmlns:p14="http://schemas.microsoft.com/office/powerpoint/2010/main" xmlns="" val="1473712570"/>
+        <p14:creationId xmlns="" xmlns:p14="http://schemas.microsoft.com/office/powerpoint/2010/main" val="1473712570"/>
       </p:ext>
     </p:extLst>
   </p:cSld>
@@ -2761,7 +2761,7 @@
             <a:fld id="{48A87A34-81AB-432B-8DAE-1953F412C126}" type="datetimeFigureOut">
               <a:rPr lang="en-US" smtClean="0"/>
               <a:pPr/>
-              <a:t>2/26/2018</a:t>
+              <a:t>5/8/2018</a:t>
             </a:fld>
             <a:endParaRPr lang="en-US" dirty="0"/>
           </a:p>
@@ -2813,7 +2813,7 @@
     </p:spTree>
     <p:extLst>
       <p:ext uri="{BB962C8B-B14F-4D97-AF65-F5344CB8AC3E}">
-        <p14:creationId xmlns:p14="http://schemas.microsoft.com/office/powerpoint/2010/main" xmlns="" val="2530574234"/>
+        <p14:creationId xmlns="" xmlns:p14="http://schemas.microsoft.com/office/powerpoint/2010/main" val="2530574234"/>
       </p:ext>
     </p:extLst>
   </p:cSld>
@@ -3077,7 +3077,7 @@
             <a:fld id="{48A87A34-81AB-432B-8DAE-1953F412C126}" type="datetimeFigureOut">
               <a:rPr lang="en-US" smtClean="0"/>
               <a:pPr/>
-              <a:t>2/26/2018</a:t>
+              <a:t>5/8/2018</a:t>
             </a:fld>
             <a:endParaRPr lang="en-US" dirty="0"/>
           </a:p>
@@ -3211,7 +3211,7 @@
     </p:spTree>
     <p:extLst>
       <p:ext uri="{BB962C8B-B14F-4D97-AF65-F5344CB8AC3E}">
-        <p14:creationId xmlns:p14="http://schemas.microsoft.com/office/powerpoint/2010/main" xmlns="" val="1004790222"/>
+        <p14:creationId xmlns="" xmlns:p14="http://schemas.microsoft.com/office/powerpoint/2010/main" val="1004790222"/>
       </p:ext>
     </p:extLst>
   </p:cSld>
@@ -3472,7 +3472,7 @@
             <a:fld id="{48A87A34-81AB-432B-8DAE-1953F412C126}" type="datetimeFigureOut">
               <a:rPr lang="en-US" smtClean="0"/>
               <a:pPr/>
-              <a:t>2/26/2018</a:t>
+              <a:t>5/8/2018</a:t>
             </a:fld>
             <a:endParaRPr lang="en-US" dirty="0"/>
           </a:p>
@@ -3524,7 +3524,7 @@
     </p:spTree>
     <p:extLst>
       <p:ext uri="{BB962C8B-B14F-4D97-AF65-F5344CB8AC3E}">
-        <p14:creationId xmlns:p14="http://schemas.microsoft.com/office/powerpoint/2010/main" xmlns="" val="3328784466"/>
+        <p14:creationId xmlns="" xmlns:p14="http://schemas.microsoft.com/office/powerpoint/2010/main" val="3328784466"/>
       </p:ext>
     </p:extLst>
   </p:cSld>
@@ -3644,7 +3644,7 @@
             <a:fld id="{48A87A34-81AB-432B-8DAE-1953F412C126}" type="datetimeFigureOut">
               <a:rPr lang="en-US" smtClean="0"/>
               <a:pPr/>
-              <a:t>2/26/2018</a:t>
+              <a:t>5/8/2018</a:t>
             </a:fld>
             <a:endParaRPr lang="en-US" dirty="0"/>
           </a:p>
@@ -3696,7 +3696,7 @@
     </p:spTree>
     <p:extLst>
       <p:ext uri="{BB962C8B-B14F-4D97-AF65-F5344CB8AC3E}">
-        <p14:creationId xmlns:p14="http://schemas.microsoft.com/office/powerpoint/2010/main" xmlns="" val="1447070425"/>
+        <p14:creationId xmlns="" xmlns:p14="http://schemas.microsoft.com/office/powerpoint/2010/main" val="1447070425"/>
       </p:ext>
     </p:extLst>
   </p:cSld>
@@ -3826,7 +3826,7 @@
             <a:fld id="{48A87A34-81AB-432B-8DAE-1953F412C126}" type="datetimeFigureOut">
               <a:rPr lang="en-US" smtClean="0"/>
               <a:pPr/>
-              <a:t>2/26/2018</a:t>
+              <a:t>5/8/2018</a:t>
             </a:fld>
             <a:endParaRPr lang="en-US" dirty="0"/>
           </a:p>
@@ -3878,7 +3878,7 @@
     </p:spTree>
     <p:extLst>
       <p:ext uri="{BB962C8B-B14F-4D97-AF65-F5344CB8AC3E}">
-        <p14:creationId xmlns:p14="http://schemas.microsoft.com/office/powerpoint/2010/main" xmlns="" val="3648480235"/>
+        <p14:creationId xmlns="" xmlns:p14="http://schemas.microsoft.com/office/powerpoint/2010/main" val="3648480235"/>
       </p:ext>
     </p:extLst>
   </p:cSld>
@@ -4004,7 +4004,7 @@
             <a:fld id="{48A87A34-81AB-432B-8DAE-1953F412C126}" type="datetimeFigureOut">
               <a:rPr lang="en-US" smtClean="0"/>
               <a:pPr/>
-              <a:t>2/26/2018</a:t>
+              <a:t>5/8/2018</a:t>
             </a:fld>
             <a:endParaRPr lang="en-US" dirty="0"/>
           </a:p>
@@ -4056,7 +4056,7 @@
     </p:spTree>
     <p:extLst>
       <p:ext uri="{BB962C8B-B14F-4D97-AF65-F5344CB8AC3E}">
-        <p14:creationId xmlns:p14="http://schemas.microsoft.com/office/powerpoint/2010/main" xmlns="" val="2649633687"/>
+        <p14:creationId xmlns="" xmlns:p14="http://schemas.microsoft.com/office/powerpoint/2010/main" val="2649633687"/>
       </p:ext>
     </p:extLst>
   </p:cSld>
@@ -4253,7 +4253,7 @@
             <a:fld id="{48A87A34-81AB-432B-8DAE-1953F412C126}" type="datetimeFigureOut">
               <a:rPr lang="en-US" smtClean="0"/>
               <a:pPr/>
-              <a:t>2/26/2018</a:t>
+              <a:t>5/8/2018</a:t>
             </a:fld>
             <a:endParaRPr lang="en-US" dirty="0"/>
           </a:p>
@@ -4305,7 +4305,7 @@
     </p:spTree>
     <p:extLst>
       <p:ext uri="{BB962C8B-B14F-4D97-AF65-F5344CB8AC3E}">
-        <p14:creationId xmlns:p14="http://schemas.microsoft.com/office/powerpoint/2010/main" xmlns="" val="572893903"/>
+        <p14:creationId xmlns="" xmlns:p14="http://schemas.microsoft.com/office/powerpoint/2010/main" val="572893903"/>
       </p:ext>
     </p:extLst>
   </p:cSld>
@@ -4487,7 +4487,7 @@
             <a:fld id="{48A87A34-81AB-432B-8DAE-1953F412C126}" type="datetimeFigureOut">
               <a:rPr lang="en-US" smtClean="0"/>
               <a:pPr/>
-              <a:t>2/26/2018</a:t>
+              <a:t>5/8/2018</a:t>
             </a:fld>
             <a:endParaRPr lang="en-US" dirty="0"/>
           </a:p>
@@ -4539,7 +4539,7 @@
     </p:spTree>
     <p:extLst>
       <p:ext uri="{BB962C8B-B14F-4D97-AF65-F5344CB8AC3E}">
-        <p14:creationId xmlns:p14="http://schemas.microsoft.com/office/powerpoint/2010/main" xmlns="" val="3918475607"/>
+        <p14:creationId xmlns="" xmlns:p14="http://schemas.microsoft.com/office/powerpoint/2010/main" val="3918475607"/>
       </p:ext>
     </p:extLst>
   </p:cSld>
@@ -4863,7 +4863,7 @@
             <a:fld id="{48A87A34-81AB-432B-8DAE-1953F412C126}" type="datetimeFigureOut">
               <a:rPr lang="en-US" smtClean="0"/>
               <a:pPr/>
-              <a:t>2/26/2018</a:t>
+              <a:t>5/8/2018</a:t>
             </a:fld>
             <a:endParaRPr lang="en-US" dirty="0"/>
           </a:p>
@@ -4915,7 +4915,7 @@
     </p:spTree>
     <p:extLst>
       <p:ext uri="{BB962C8B-B14F-4D97-AF65-F5344CB8AC3E}">
-        <p14:creationId xmlns:p14="http://schemas.microsoft.com/office/powerpoint/2010/main" xmlns="" val="70569158"/>
+        <p14:creationId xmlns="" xmlns:p14="http://schemas.microsoft.com/office/powerpoint/2010/main" val="70569158"/>
       </p:ext>
     </p:extLst>
   </p:cSld>
@@ -4988,7 +4988,7 @@
             <a:fld id="{48A87A34-81AB-432B-8DAE-1953F412C126}" type="datetimeFigureOut">
               <a:rPr lang="en-US" smtClean="0"/>
               <a:pPr/>
-              <a:t>2/26/2018</a:t>
+              <a:t>5/8/2018</a:t>
             </a:fld>
             <a:endParaRPr lang="en-US" dirty="0"/>
           </a:p>
@@ -5040,7 +5040,7 @@
     </p:spTree>
     <p:extLst>
       <p:ext uri="{BB962C8B-B14F-4D97-AF65-F5344CB8AC3E}">
-        <p14:creationId xmlns:p14="http://schemas.microsoft.com/office/powerpoint/2010/main" xmlns="" val="3956773614"/>
+        <p14:creationId xmlns="" xmlns:p14="http://schemas.microsoft.com/office/powerpoint/2010/main" val="3956773614"/>
       </p:ext>
     </p:extLst>
   </p:cSld>
@@ -5085,7 +5085,7 @@
             <a:fld id="{48A87A34-81AB-432B-8DAE-1953F412C126}" type="datetimeFigureOut">
               <a:rPr lang="en-US" smtClean="0"/>
               <a:pPr/>
-              <a:t>2/26/2018</a:t>
+              <a:t>5/8/2018</a:t>
             </a:fld>
             <a:endParaRPr lang="en-US" dirty="0"/>
           </a:p>
@@ -5137,7 +5137,7 @@
     </p:spTree>
     <p:extLst>
       <p:ext uri="{BB962C8B-B14F-4D97-AF65-F5344CB8AC3E}">
-        <p14:creationId xmlns:p14="http://schemas.microsoft.com/office/powerpoint/2010/main" xmlns="" val="843387325"/>
+        <p14:creationId xmlns="" xmlns:p14="http://schemas.microsoft.com/office/powerpoint/2010/main" val="843387325"/>
       </p:ext>
     </p:extLst>
   </p:cSld>
@@ -5342,7 +5342,7 @@
             <a:fld id="{48A87A34-81AB-432B-8DAE-1953F412C126}" type="datetimeFigureOut">
               <a:rPr lang="en-US" smtClean="0"/>
               <a:pPr/>
-              <a:t>2/26/2018</a:t>
+              <a:t>5/8/2018</a:t>
             </a:fld>
             <a:endParaRPr lang="en-US" dirty="0"/>
           </a:p>
@@ -5394,7 +5394,7 @@
     </p:spTree>
     <p:extLst>
       <p:ext uri="{BB962C8B-B14F-4D97-AF65-F5344CB8AC3E}">
-        <p14:creationId xmlns:p14="http://schemas.microsoft.com/office/powerpoint/2010/main" xmlns="" val="614752468"/>
+        <p14:creationId xmlns="" xmlns:p14="http://schemas.microsoft.com/office/powerpoint/2010/main" val="614752468"/>
       </p:ext>
     </p:extLst>
   </p:cSld>
@@ -5607,7 +5607,7 @@
             <a:fld id="{48A87A34-81AB-432B-8DAE-1953F412C126}" type="datetimeFigureOut">
               <a:rPr lang="en-US" smtClean="0"/>
               <a:pPr/>
-              <a:t>2/26/2018</a:t>
+              <a:t>5/8/2018</a:t>
             </a:fld>
             <a:endParaRPr lang="en-US" dirty="0"/>
           </a:p>
@@ -5659,7 +5659,7 @@
     </p:spTree>
     <p:extLst>
       <p:ext uri="{BB962C8B-B14F-4D97-AF65-F5344CB8AC3E}">
-        <p14:creationId xmlns:p14="http://schemas.microsoft.com/office/powerpoint/2010/main" xmlns="" val="2525773852"/>
+        <p14:creationId xmlns="" xmlns:p14="http://schemas.microsoft.com/office/powerpoint/2010/main" val="2525773852"/>
       </p:ext>
     </p:extLst>
   </p:cSld>
@@ -6352,7 +6352,7 @@
             <a:fld id="{48A87A34-81AB-432B-8DAE-1953F412C126}" type="datetimeFigureOut">
               <a:rPr lang="en-US" smtClean="0"/>
               <a:pPr/>
-              <a:t>2/26/2018</a:t>
+              <a:t>5/8/2018</a:t>
             </a:fld>
             <a:endParaRPr lang="en-US" dirty="0"/>
           </a:p>
@@ -6438,7 +6438,7 @@
     </p:spTree>
     <p:extLst>
       <p:ext uri="{BB962C8B-B14F-4D97-AF65-F5344CB8AC3E}">
-        <p14:creationId xmlns:p14="http://schemas.microsoft.com/office/powerpoint/2010/main" xmlns="" val="2849168193"/>
+        <p14:creationId xmlns="" xmlns:p14="http://schemas.microsoft.com/office/powerpoint/2010/main" val="2849168193"/>
       </p:ext>
     </p:extLst>
   </p:cSld>
@@ -6929,7 +6929,7 @@
     </p:spTree>
     <p:extLst>
       <p:ext uri="{BB962C8B-B14F-4D97-AF65-F5344CB8AC3E}">
-        <p14:creationId xmlns:p14="http://schemas.microsoft.com/office/powerpoint/2010/main" xmlns="" val="1597654807"/>
+        <p14:creationId xmlns="" xmlns:p14="http://schemas.microsoft.com/office/powerpoint/2010/main" val="1597654807"/>
       </p:ext>
     </p:extLst>
   </p:cSld>
@@ -7398,7 +7398,7 @@
     </p:spTree>
     <p:extLst>
       <p:ext uri="{BB962C8B-B14F-4D97-AF65-F5344CB8AC3E}">
-        <p14:creationId xmlns:p14="http://schemas.microsoft.com/office/powerpoint/2010/main" xmlns="" val="2508929371"/>
+        <p14:creationId xmlns="" xmlns:p14="http://schemas.microsoft.com/office/powerpoint/2010/main" val="2508929371"/>
       </p:ext>
     </p:extLst>
   </p:cSld>
@@ -7758,7 +7758,7 @@
     </p:spTree>
     <p:extLst>
       <p:ext uri="{BB962C8B-B14F-4D97-AF65-F5344CB8AC3E}">
-        <p14:creationId xmlns:p14="http://schemas.microsoft.com/office/powerpoint/2010/main" xmlns="" val="1094633716"/>
+        <p14:creationId xmlns="" xmlns:p14="http://schemas.microsoft.com/office/powerpoint/2010/main" val="1094633716"/>
       </p:ext>
     </p:extLst>
   </p:cSld>
@@ -7935,14 +7935,7 @@
                 <a:latin typeface="Ara Hamah Alislam" panose="00000500000000000000" pitchFamily="2" charset="-78"/>
                 <a:cs typeface="Ara Hamah Alislam" panose="00000500000000000000" pitchFamily="2" charset="-78"/>
               </a:rPr>
-              <a:t>نقاش : هل نجحتم في التجربة الأولى ؟ ماذا يحصل اذا اردنا الخروج من متاهة أخرى؟ هل بإمكاننا كتابة برنامج واحد للخروج من اية متاهة ؟ اية معطيات يحتاج اليها الروبوت لتحقيق هذا الهدف</a:t>
-            </a:r>
-            <a:r>
-              <a:rPr lang="ar-EG" sz="3000" dirty="0" smtClean="0">
-                <a:latin typeface="Ara Hamah Alislam" panose="00000500000000000000" pitchFamily="2" charset="-78"/>
-                <a:cs typeface="Ara Hamah Alislam" panose="00000500000000000000" pitchFamily="2" charset="-78"/>
-              </a:rPr>
-              <a:t>؟</a:t>
+              <a:t>نقاش : هل نجحتم في التجربة الأولى ؟ ماذا يحصل اذا اردنا الخروج من متاهة أخرى؟ هل بإمكاننا كتابة برنامج واحد للخروج من اية متاهة ؟ اية معطيات يحتاج اليها الروبوت لتحقيق هذا الهدف؟</a:t>
             </a:r>
             <a:endParaRPr lang="he-IL" sz="3000" dirty="0" smtClean="0">
               <a:latin typeface="Ara Hamah Alislam" panose="00000500000000000000" pitchFamily="2" charset="-78"/>
@@ -7953,7 +7946,7 @@
     </p:spTree>
     <p:extLst>
       <p:ext uri="{BB962C8B-B14F-4D97-AF65-F5344CB8AC3E}">
-        <p14:creationId xmlns:p14="http://schemas.microsoft.com/office/powerpoint/2010/main" xmlns="" val="999608912"/>
+        <p14:creationId xmlns="" xmlns:p14="http://schemas.microsoft.com/office/powerpoint/2010/main" val="999608912"/>
       </p:ext>
     </p:extLst>
   </p:cSld>
@@ -8132,6 +8125,13 @@
               </a:rPr>
               <a:t>رتب الروبوت قبل وضعه في الخزانة </a:t>
             </a:r>
+            <a:r>
+              <a:rPr lang="he-IL" sz="5700" smtClean="0">
+                <a:latin typeface="Ara Hamah Alislam" panose="00000500000000000000" pitchFamily="2" charset="-78"/>
+                <a:cs typeface="Ara Hamah Alislam" panose="00000500000000000000" pitchFamily="2" charset="-78"/>
+              </a:rPr>
+              <a:t> </a:t>
+            </a:r>
             <a:endParaRPr lang="he-IL" sz="5700" dirty="0" smtClean="0">
               <a:latin typeface="Ara Hamah Alislam" panose="00000500000000000000" pitchFamily="2" charset="-78"/>
             </a:endParaRPr>
@@ -8141,7 +8141,7 @@
     </p:spTree>
     <p:extLst>
       <p:ext uri="{BB962C8B-B14F-4D97-AF65-F5344CB8AC3E}">
-        <p14:creationId xmlns:p14="http://schemas.microsoft.com/office/powerpoint/2010/main" xmlns="" val="603574699"/>
+        <p14:creationId xmlns="" xmlns:p14="http://schemas.microsoft.com/office/powerpoint/2010/main" val="603574699"/>
       </p:ext>
     </p:extLst>
   </p:cSld>
@@ -8375,7 +8375,7 @@
     </p:spTree>
     <p:extLst>
       <p:ext uri="{BB962C8B-B14F-4D97-AF65-F5344CB8AC3E}">
-        <p14:creationId xmlns:p14="http://schemas.microsoft.com/office/powerpoint/2010/main" xmlns="" val="2508929371"/>
+        <p14:creationId xmlns="" xmlns:p14="http://schemas.microsoft.com/office/powerpoint/2010/main" val="2508929371"/>
       </p:ext>
     </p:extLst>
   </p:cSld>
@@ -8497,7 +8497,7 @@
     </p:spTree>
     <p:extLst>
       <p:ext uri="{BB962C8B-B14F-4D97-AF65-F5344CB8AC3E}">
-        <p14:creationId xmlns:p14="http://schemas.microsoft.com/office/powerpoint/2010/main" xmlns="" val="2508929371"/>
+        <p14:creationId xmlns="" xmlns:p14="http://schemas.microsoft.com/office/powerpoint/2010/main" val="2508929371"/>
       </p:ext>
     </p:extLst>
   </p:cSld>
@@ -11302,7 +11302,7 @@
   <a:extraClrSchemeLst/>
   <a:extLst>
     <a:ext uri="{05A4C25C-085E-4340-85A3-A5531E510DB2}">
-      <thm15:themeFamily xmlns:thm15="http://schemas.microsoft.com/office/thememl/2012/main" xmlns="" name="Facet" id="{C0C680CD-088A-49FC-A102-D699147F32B2}" vid="{CFBC31BA-B70F-4F30-BCAA-4F3011E16C4D}"/>
+      <thm15:themeFamily xmlns="" xmlns:thm15="http://schemas.microsoft.com/office/thememl/2012/main" name="Facet" id="{C0C680CD-088A-49FC-A102-D699147F32B2}" vid="{CFBC31BA-B70F-4F30-BCAA-4F3011E16C4D}"/>
     </a:ext>
   </a:extLst>
 </a:theme>
